--- a/2020-05-27-연수고.pptx
+++ b/2020-05-27-연수고.pptx
@@ -12,7 +12,7 @@
     <p:sldId id="1130" r:id="rId3"/>
     <p:sldId id="1134" r:id="rId4"/>
     <p:sldId id="1135" r:id="rId5"/>
-    <p:sldId id="1131" r:id="rId6"/>
+    <p:sldId id="1149" r:id="rId6"/>
     <p:sldId id="1132" r:id="rId7"/>
     <p:sldId id="1133" r:id="rId8"/>
     <p:sldId id="1136" r:id="rId9"/>
@@ -125,6 +125,11 @@
       </a:defRPr>
     </a:lvl9pPr>
   </p:defaultTextStyle>
+  <p:extLst>
+    <p:ext uri="{EFAFB233-063F-42B5-8137-9DF3F51BA10A}">
+      <p15:sldGuideLst xmlns:p15="http://schemas.microsoft.com/office/powerpoint/2012/main"/>
+    </p:ext>
+  </p:extLst>
 </p:presentation>
 </file>
 
@@ -210,7 +215,7 @@
           <a:p>
             <a:fld id="{441FEC62-9B31-4DF2-936D-FD9BCACC7C84}" type="datetimeFigureOut">
               <a:rPr lang="ko-KR" altLang="en-US" smtClean="0"/>
-              <a:t>2020-05-23</a:t>
+              <a:t>2020-05-26</a:t>
             </a:fld>
             <a:endParaRPr lang="ko-KR" altLang="en-US"/>
           </a:p>
@@ -1530,7 +1535,10 @@
           <a:bodyPr/>
           <a:lstStyle/>
           <a:p>
-            <a:endParaRPr lang="ko-KR" altLang="en-US" dirty="0"/>
+            <a:r>
+              <a:rPr lang="ko-KR" altLang="en-US" dirty="0"/>
+              <a:t>소개</a:t>
+            </a:r>
           </a:p>
         </p:txBody>
       </p:sp>
@@ -1622,7 +1630,7 @@
           <a:p>
             <a:r>
               <a:rPr lang="ko-KR" altLang="en-US" dirty="0"/>
-              <a:t>질문에 관하여</a:t>
+              <a:t>실습</a:t>
             </a:r>
             <a:r>
               <a:rPr lang="en-US" altLang="ko-KR" dirty="0"/>
@@ -1630,7 +1638,183 @@
             </a:r>
             <a:r>
               <a:rPr lang="ko-KR" altLang="en-US" dirty="0"/>
-              <a:t>언제든 환영 너무 터무니 없는 거면 감점 됨</a:t>
+              <a:t>작품 창작 설명</a:t>
+            </a:r>
+            <a:endParaRPr lang="en-US" altLang="ko-KR" dirty="0"/>
+          </a:p>
+          <a:p>
+            <a:pPr marL="0" indent="0">
+              <a:buNone/>
+            </a:pPr>
+            <a:r>
+              <a:rPr lang="ko-KR" altLang="en-US" dirty="0"/>
+              <a:t>실습은 매 수업 시간마다 </a:t>
+            </a:r>
+            <a:r>
+              <a:rPr lang="en-US" altLang="ko-KR" dirty="0"/>
+              <a:t>1</a:t>
+            </a:r>
+            <a:r>
+              <a:rPr lang="ko-KR" altLang="en-US" dirty="0"/>
+              <a:t>회</a:t>
+            </a:r>
+            <a:r>
+              <a:rPr lang="en-US" altLang="ko-KR" dirty="0"/>
+              <a:t> ~ 2</a:t>
+            </a:r>
+            <a:r>
+              <a:rPr lang="ko-KR" altLang="en-US" dirty="0"/>
+              <a:t>회 진행 </a:t>
+            </a:r>
+            <a:r>
+              <a:rPr lang="en-US" altLang="ko-KR" dirty="0"/>
+              <a:t>(</a:t>
+            </a:r>
+            <a:r>
+              <a:rPr lang="ko-KR" altLang="en-US" dirty="0"/>
+              <a:t> 수업에서 배운 내용을 곧바로 사용하게 됨</a:t>
+            </a:r>
+            <a:r>
+              <a:rPr lang="en-US" altLang="ko-KR" dirty="0"/>
+              <a:t>)</a:t>
+            </a:r>
+          </a:p>
+          <a:p>
+            <a:pPr marL="0" indent="0">
+              <a:buNone/>
+            </a:pPr>
+            <a:endParaRPr lang="en-US" altLang="ko-KR" dirty="0"/>
+          </a:p>
+          <a:p>
+            <a:pPr marL="0" indent="0">
+              <a:buNone/>
+            </a:pPr>
+            <a:r>
+              <a:rPr lang="en-US" altLang="ko-KR" dirty="0"/>
+              <a:t>1. </a:t>
+            </a:r>
+            <a:r>
+              <a:rPr lang="ko-KR" altLang="en-US" dirty="0"/>
+              <a:t>적극성 및 준비 항목 </a:t>
+            </a:r>
+            <a:r>
+              <a:rPr lang="en-US" altLang="ko-KR" dirty="0"/>
+              <a:t>:</a:t>
+            </a:r>
+            <a:r>
+              <a:rPr lang="ko-KR" altLang="en-US" dirty="0"/>
+              <a:t> 수업에 임하는 태도와 수업 준비물 </a:t>
+            </a:r>
+            <a:r>
+              <a:rPr lang="ko-KR" altLang="en-US" dirty="0" err="1"/>
+              <a:t>아두이노</a:t>
+            </a:r>
+            <a:r>
+              <a:rPr lang="en-US" altLang="ko-KR" dirty="0"/>
+              <a:t> </a:t>
+            </a:r>
+            <a:r>
+              <a:rPr lang="ko-KR" altLang="en-US" dirty="0"/>
+              <a:t>키트</a:t>
+            </a:r>
+            <a:r>
+              <a:rPr lang="en-US" altLang="ko-KR" dirty="0"/>
+              <a:t>, </a:t>
+            </a:r>
+            <a:r>
+              <a:rPr lang="ko-KR" altLang="en-US" dirty="0"/>
+              <a:t>컴퓨터를 잘 끄고 갔는지</a:t>
+            </a:r>
+            <a:endParaRPr lang="en-US" altLang="ko-KR" dirty="0"/>
+          </a:p>
+          <a:p>
+            <a:pPr marL="0" indent="0">
+              <a:buNone/>
+            </a:pPr>
+            <a:r>
+              <a:rPr lang="en-US" altLang="ko-KR" dirty="0"/>
+              <a:t>2. </a:t>
+            </a:r>
+            <a:r>
+              <a:rPr lang="ko-KR" altLang="en-US" dirty="0"/>
+              <a:t>정밀도 및 완성도</a:t>
+            </a:r>
+            <a:r>
+              <a:rPr lang="en-US" altLang="ko-KR" dirty="0"/>
+              <a:t>, </a:t>
+            </a:r>
+            <a:r>
+              <a:rPr lang="ko-KR" altLang="en-US" dirty="0"/>
+              <a:t>프로그래밍 이해 두개 항목은 동시에 평가가 됨</a:t>
+            </a:r>
+            <a:r>
+              <a:rPr lang="en-US" altLang="ko-KR" dirty="0"/>
+              <a:t>.</a:t>
+            </a:r>
+          </a:p>
+          <a:p>
+            <a:pPr marL="0" indent="0">
+              <a:buNone/>
+            </a:pPr>
+            <a:r>
+              <a:rPr lang="en-US" altLang="ko-KR" dirty="0"/>
+              <a:t> </a:t>
+            </a:r>
+            <a:r>
+              <a:rPr lang="ko-KR" altLang="en-US" dirty="0"/>
+              <a:t>매 수업시간마다 그날 배운 내용을 활용해서 간단한 실습을 진행하게 됨</a:t>
+            </a:r>
+            <a:r>
+              <a:rPr lang="en-US" altLang="ko-KR" dirty="0"/>
+              <a:t>. </a:t>
+            </a:r>
+            <a:r>
+              <a:rPr lang="ko-KR" altLang="en-US" dirty="0"/>
+              <a:t>그 때 배운 내용들을 잘 활용하였는지 평가</a:t>
+            </a:r>
+            <a:endParaRPr lang="en-US" altLang="ko-KR" dirty="0"/>
+          </a:p>
+          <a:p>
+            <a:pPr marL="0" indent="0">
+              <a:buNone/>
+            </a:pPr>
+            <a:endParaRPr lang="en-US" altLang="ko-KR" dirty="0"/>
+          </a:p>
+          <a:p>
+            <a:pPr marL="0" indent="0">
+              <a:buNone/>
+            </a:pPr>
+            <a:r>
+              <a:rPr lang="ko-KR" altLang="en-US" dirty="0"/>
+              <a:t>작품 창작은 </a:t>
+            </a:r>
+            <a:r>
+              <a:rPr lang="en-US" altLang="ko-KR" dirty="0"/>
+              <a:t>7</a:t>
+            </a:r>
+            <a:r>
+              <a:rPr lang="ko-KR" altLang="en-US" dirty="0"/>
+              <a:t>월 </a:t>
+            </a:r>
+            <a:r>
+              <a:rPr lang="en-US" altLang="ko-KR" dirty="0"/>
+              <a:t>29</a:t>
+            </a:r>
+            <a:r>
+              <a:rPr lang="ko-KR" altLang="en-US" dirty="0"/>
+              <a:t>일 약 </a:t>
+            </a:r>
+            <a:r>
+              <a:rPr lang="en-US" altLang="ko-KR" dirty="0"/>
+              <a:t>2</a:t>
+            </a:r>
+            <a:r>
+              <a:rPr lang="ko-KR" altLang="en-US" dirty="0"/>
+              <a:t>달 뒤에 각자 만든 작품을 평가하게 됨</a:t>
+            </a:r>
+            <a:r>
+              <a:rPr lang="en-US" altLang="ko-KR" dirty="0"/>
+              <a:t>. </a:t>
             </a:r>
           </a:p>
         </p:txBody>
@@ -1723,16 +1907,50 @@
           <a:p>
             <a:r>
               <a:rPr lang="ko-KR" altLang="en-US" dirty="0"/>
-              <a:t>질문에 관하여</a:t>
+              <a:t>작품 발표 전까지 수업 일수는 많으면 오늘 포함해서 </a:t>
             </a:r>
             <a:r>
               <a:rPr lang="en-US" altLang="ko-KR" dirty="0"/>
-              <a:t>, </a:t>
+              <a:t>9</a:t>
+            </a:r>
+            <a:r>
+              <a:rPr lang="ko-KR" altLang="en-US" dirty="0" err="1"/>
+              <a:t>일이구요</a:t>
+            </a:r>
+            <a:r>
+              <a:rPr lang="en-US" altLang="ko-KR" dirty="0"/>
+              <a:t>.</a:t>
+            </a:r>
+          </a:p>
+          <a:p>
+            <a:endParaRPr lang="en-US" altLang="ko-KR" dirty="0"/>
+          </a:p>
+          <a:p>
+            <a:r>
+              <a:rPr lang="en-US" altLang="ko-KR" dirty="0"/>
+              <a:t>7</a:t>
             </a:r>
             <a:r>
               <a:rPr lang="ko-KR" altLang="en-US" dirty="0"/>
-              <a:t>언제든 환영 너무 터무니 없는 거면 감점 됨</a:t>
-            </a:r>
+              <a:t>월 </a:t>
+            </a:r>
+            <a:r>
+              <a:rPr lang="en-US" altLang="ko-KR" dirty="0"/>
+              <a:t>1</a:t>
+            </a:r>
+            <a:r>
+              <a:rPr lang="ko-KR" altLang="en-US" dirty="0"/>
+              <a:t>일 학부모 총회가 있으면 </a:t>
+            </a:r>
+            <a:r>
+              <a:rPr lang="ko-KR" altLang="en-US" dirty="0" err="1"/>
+              <a:t>미뤄질수도</a:t>
+            </a:r>
+            <a:r>
+              <a:rPr lang="ko-KR" altLang="en-US" dirty="0"/>
+              <a:t> 있음</a:t>
+            </a:r>
+            <a:endParaRPr lang="en-US" altLang="ko-KR" dirty="0"/>
           </a:p>
         </p:txBody>
       </p:sp>
@@ -1822,7 +2040,151 @@
           <a:bodyPr/>
           <a:lstStyle/>
           <a:p>
-            <a:endParaRPr lang="ko-KR" altLang="en-US" dirty="0"/>
+            <a:r>
+              <a:rPr lang="ko-KR" altLang="en-US" dirty="0"/>
+              <a:t>웹 개발자</a:t>
+            </a:r>
+            <a:r>
+              <a:rPr lang="en-US" altLang="ko-KR" dirty="0"/>
+              <a:t> : </a:t>
+            </a:r>
+            <a:r>
+              <a:rPr lang="ko-KR" altLang="en-US" dirty="0"/>
+              <a:t>네이버</a:t>
+            </a:r>
+            <a:r>
+              <a:rPr lang="en-US" altLang="ko-KR" dirty="0"/>
+              <a:t>, </a:t>
+            </a:r>
+            <a:r>
+              <a:rPr lang="ko-KR" altLang="en-US" dirty="0"/>
+              <a:t>다음</a:t>
+            </a:r>
+            <a:r>
+              <a:rPr lang="en-US" altLang="ko-KR" dirty="0"/>
+              <a:t>, </a:t>
+            </a:r>
+            <a:r>
+              <a:rPr lang="ko-KR" altLang="en-US" dirty="0"/>
+              <a:t>구글</a:t>
+            </a:r>
+            <a:endParaRPr lang="en-US" altLang="ko-KR" dirty="0"/>
+          </a:p>
+          <a:p>
+            <a:endParaRPr lang="en-US" altLang="ko-KR" dirty="0"/>
+          </a:p>
+          <a:p>
+            <a:r>
+              <a:rPr lang="ko-KR" altLang="en-US" dirty="0"/>
+              <a:t>앱 개발자 </a:t>
+            </a:r>
+            <a:r>
+              <a:rPr lang="en-US" altLang="ko-KR" dirty="0"/>
+              <a:t>: </a:t>
+            </a:r>
+            <a:r>
+              <a:rPr lang="ko-KR" altLang="en-US" dirty="0"/>
+              <a:t>카카오톡</a:t>
+            </a:r>
+            <a:r>
+              <a:rPr lang="en-US" altLang="ko-KR" dirty="0"/>
+              <a:t>, </a:t>
+            </a:r>
+            <a:r>
+              <a:rPr lang="ko-KR" altLang="en-US" dirty="0"/>
+              <a:t>페이스북</a:t>
+            </a:r>
+            <a:r>
+              <a:rPr lang="en-US" altLang="ko-KR" dirty="0"/>
+              <a:t>, </a:t>
+            </a:r>
+            <a:r>
+              <a:rPr lang="ko-KR" altLang="en-US" dirty="0"/>
+              <a:t>등등</a:t>
+            </a:r>
+            <a:endParaRPr lang="en-US" altLang="ko-KR" dirty="0"/>
+          </a:p>
+          <a:p>
+            <a:endParaRPr lang="en-US" altLang="ko-KR" dirty="0"/>
+          </a:p>
+          <a:p>
+            <a:r>
+              <a:rPr lang="ko-KR" altLang="en-US" dirty="0"/>
+              <a:t>게임 개발자 </a:t>
+            </a:r>
+            <a:r>
+              <a:rPr lang="en-US" altLang="ko-KR" dirty="0"/>
+              <a:t>: </a:t>
+            </a:r>
+            <a:r>
+              <a:rPr lang="ko-KR" altLang="en-US" dirty="0"/>
+              <a:t>롤</a:t>
+            </a:r>
+            <a:r>
+              <a:rPr lang="en-US" altLang="ko-KR" dirty="0"/>
+              <a:t>, </a:t>
+            </a:r>
+            <a:r>
+              <a:rPr lang="ko-KR" altLang="en-US" dirty="0" err="1"/>
+              <a:t>오버워치</a:t>
+            </a:r>
+            <a:r>
+              <a:rPr lang="en-US" altLang="ko-KR" dirty="0"/>
+              <a:t>, </a:t>
+            </a:r>
+            <a:r>
+              <a:rPr lang="ko-KR" altLang="en-US" dirty="0" err="1"/>
+              <a:t>배틀그라운드</a:t>
+            </a:r>
+            <a:endParaRPr lang="en-US" altLang="ko-KR" dirty="0"/>
+          </a:p>
+          <a:p>
+            <a:endParaRPr lang="en-US" altLang="ko-KR" dirty="0"/>
+          </a:p>
+          <a:p>
+            <a:r>
+              <a:rPr lang="ko-KR" altLang="en-US" dirty="0"/>
+              <a:t>서버 개발자 </a:t>
+            </a:r>
+            <a:r>
+              <a:rPr lang="en-US" altLang="ko-KR" dirty="0"/>
+              <a:t>: </a:t>
+            </a:r>
+            <a:r>
+              <a:rPr lang="ko-KR" altLang="en-US" dirty="0"/>
+              <a:t>데이터 센터를 운영</a:t>
+            </a:r>
+            <a:endParaRPr lang="en-US" altLang="ko-KR" dirty="0"/>
+          </a:p>
+          <a:p>
+            <a:endParaRPr lang="en-US" altLang="ko-KR" dirty="0"/>
+          </a:p>
+          <a:p>
+            <a:r>
+              <a:rPr lang="ko-KR" altLang="en-US" dirty="0"/>
+              <a:t>시스템 개발자 </a:t>
+            </a:r>
+            <a:r>
+              <a:rPr lang="en-US" altLang="ko-KR" dirty="0"/>
+              <a:t>: MS</a:t>
+            </a:r>
+          </a:p>
+          <a:p>
+            <a:endParaRPr lang="en-US" altLang="ko-KR" dirty="0"/>
+          </a:p>
+          <a:p>
+            <a:r>
+              <a:rPr lang="ko-KR" altLang="en-US" dirty="0"/>
+              <a:t>임베디드 개발자 </a:t>
+            </a:r>
+            <a:r>
+              <a:rPr lang="en-US" altLang="ko-KR" dirty="0"/>
+              <a:t>: </a:t>
+            </a:r>
+            <a:r>
+              <a:rPr lang="ko-KR" altLang="en-US" dirty="0"/>
+              <a:t>삼성</a:t>
+            </a:r>
           </a:p>
         </p:txBody>
       </p:sp>
@@ -1858,7 +2220,7 @@
     </p:spTree>
     <p:extLst>
       <p:ext uri="{BB962C8B-B14F-4D97-AF65-F5344CB8AC3E}">
-        <p14:creationId xmlns:p14="http://schemas.microsoft.com/office/powerpoint/2010/main" val="2533444736"/>
+        <p14:creationId xmlns:p14="http://schemas.microsoft.com/office/powerpoint/2010/main" val="2814433934"/>
       </p:ext>
     </p:extLst>
   </p:cSld>
@@ -1912,7 +2274,33 @@
           <a:bodyPr/>
           <a:lstStyle/>
           <a:p>
-            <a:endParaRPr lang="ko-KR" altLang="en-US" dirty="0"/>
+            <a:r>
+              <a:rPr lang="ko-KR" altLang="en-US" dirty="0"/>
+              <a:t>임베디드 시스템과 임베디드 소프트웨어 개발은 무엇인가</a:t>
+            </a:r>
+            <a:r>
+              <a:rPr lang="en-US" altLang="ko-KR" dirty="0"/>
+              <a:t>?</a:t>
+            </a:r>
+          </a:p>
+          <a:p>
+            <a:endParaRPr lang="en-US" altLang="ko-KR" dirty="0"/>
+          </a:p>
+          <a:p>
+            <a:r>
+              <a:rPr lang="ko-KR" altLang="en-US" dirty="0"/>
+              <a:t>임베디드 시스템은 위에 보이는 초록 판때기 위에 칩들이 올라가 있는 것</a:t>
+            </a:r>
+            <a:r>
+              <a:rPr lang="en-US" altLang="ko-KR" dirty="0"/>
+              <a:t>..</a:t>
+            </a:r>
+          </a:p>
+          <a:p>
+            <a:endParaRPr lang="en-US" altLang="ko-KR" dirty="0"/>
+          </a:p>
+          <a:p>
+            <a:endParaRPr lang="en-US" altLang="ko-KR" dirty="0"/>
           </a:p>
         </p:txBody>
       </p:sp>
@@ -2375,7 +2763,7 @@
           <a:p>
             <a:fld id="{05CE1C86-58EB-41F5-AE4C-2D6DBC13F52E}" type="datetimeFigureOut">
               <a:rPr lang="ko-KR" altLang="en-US" smtClean="0"/>
-              <a:t>2020-05-23</a:t>
+              <a:t>2020-05-26</a:t>
             </a:fld>
             <a:endParaRPr lang="ko-KR" altLang="en-US"/>
           </a:p>
@@ -2573,7 +2961,7 @@
           <a:p>
             <a:fld id="{05CE1C86-58EB-41F5-AE4C-2D6DBC13F52E}" type="datetimeFigureOut">
               <a:rPr lang="ko-KR" altLang="en-US" smtClean="0"/>
-              <a:t>2020-05-23</a:t>
+              <a:t>2020-05-26</a:t>
             </a:fld>
             <a:endParaRPr lang="ko-KR" altLang="en-US"/>
           </a:p>
@@ -2781,7 +3169,7 @@
           <a:p>
             <a:fld id="{05CE1C86-58EB-41F5-AE4C-2D6DBC13F52E}" type="datetimeFigureOut">
               <a:rPr lang="ko-KR" altLang="en-US" smtClean="0"/>
-              <a:t>2020-05-23</a:t>
+              <a:t>2020-05-26</a:t>
             </a:fld>
             <a:endParaRPr lang="ko-KR" altLang="en-US"/>
           </a:p>
@@ -2979,7 +3367,7 @@
           <a:p>
             <a:fld id="{05CE1C86-58EB-41F5-AE4C-2D6DBC13F52E}" type="datetimeFigureOut">
               <a:rPr lang="ko-KR" altLang="en-US" smtClean="0"/>
-              <a:t>2020-05-23</a:t>
+              <a:t>2020-05-26</a:t>
             </a:fld>
             <a:endParaRPr lang="ko-KR" altLang="en-US"/>
           </a:p>
@@ -3254,7 +3642,7 @@
           <a:p>
             <a:fld id="{05CE1C86-58EB-41F5-AE4C-2D6DBC13F52E}" type="datetimeFigureOut">
               <a:rPr lang="ko-KR" altLang="en-US" smtClean="0"/>
-              <a:t>2020-05-23</a:t>
+              <a:t>2020-05-26</a:t>
             </a:fld>
             <a:endParaRPr lang="ko-KR" altLang="en-US"/>
           </a:p>
@@ -3519,7 +3907,7 @@
           <a:p>
             <a:fld id="{05CE1C86-58EB-41F5-AE4C-2D6DBC13F52E}" type="datetimeFigureOut">
               <a:rPr lang="ko-KR" altLang="en-US" smtClean="0"/>
-              <a:t>2020-05-23</a:t>
+              <a:t>2020-05-26</a:t>
             </a:fld>
             <a:endParaRPr lang="ko-KR" altLang="en-US"/>
           </a:p>
@@ -3931,7 +4319,7 @@
           <a:p>
             <a:fld id="{05CE1C86-58EB-41F5-AE4C-2D6DBC13F52E}" type="datetimeFigureOut">
               <a:rPr lang="ko-KR" altLang="en-US" smtClean="0"/>
-              <a:t>2020-05-23</a:t>
+              <a:t>2020-05-26</a:t>
             </a:fld>
             <a:endParaRPr lang="ko-KR" altLang="en-US"/>
           </a:p>
@@ -4072,7 +4460,7 @@
           <a:p>
             <a:fld id="{05CE1C86-58EB-41F5-AE4C-2D6DBC13F52E}" type="datetimeFigureOut">
               <a:rPr lang="ko-KR" altLang="en-US" smtClean="0"/>
-              <a:t>2020-05-23</a:t>
+              <a:t>2020-05-26</a:t>
             </a:fld>
             <a:endParaRPr lang="ko-KR" altLang="en-US"/>
           </a:p>
@@ -4185,7 +4573,7 @@
           <a:p>
             <a:fld id="{05CE1C86-58EB-41F5-AE4C-2D6DBC13F52E}" type="datetimeFigureOut">
               <a:rPr lang="ko-KR" altLang="en-US" smtClean="0"/>
-              <a:t>2020-05-23</a:t>
+              <a:t>2020-05-26</a:t>
             </a:fld>
             <a:endParaRPr lang="ko-KR" altLang="en-US"/>
           </a:p>
@@ -4496,7 +4884,7 @@
           <a:p>
             <a:fld id="{05CE1C86-58EB-41F5-AE4C-2D6DBC13F52E}" type="datetimeFigureOut">
               <a:rPr lang="ko-KR" altLang="en-US" smtClean="0"/>
-              <a:t>2020-05-23</a:t>
+              <a:t>2020-05-26</a:t>
             </a:fld>
             <a:endParaRPr lang="ko-KR" altLang="en-US"/>
           </a:p>
@@ -4784,7 +5172,7 @@
           <a:p>
             <a:fld id="{05CE1C86-58EB-41F5-AE4C-2D6DBC13F52E}" type="datetimeFigureOut">
               <a:rPr lang="ko-KR" altLang="en-US" smtClean="0"/>
-              <a:t>2020-05-23</a:t>
+              <a:t>2020-05-26</a:t>
             </a:fld>
             <a:endParaRPr lang="ko-KR" altLang="en-US"/>
           </a:p>
@@ -5025,7 +5413,7 @@
           <a:p>
             <a:fld id="{05CE1C86-58EB-41F5-AE4C-2D6DBC13F52E}" type="datetimeFigureOut">
               <a:rPr lang="ko-KR" altLang="en-US" smtClean="0"/>
-              <a:t>2020-05-23</a:t>
+              <a:t>2020-05-26</a:t>
             </a:fld>
             <a:endParaRPr lang="ko-KR" altLang="en-US"/>
           </a:p>
@@ -13472,16 +13860,948 @@
           </a:extLst>
         </p:spPr>
       </p:pic>
+      <p:pic>
+        <p:nvPicPr>
+          <p:cNvPr id="3" name="Picture 2" descr="Google">
+            <a:extLst>
+              <a:ext uri="{FF2B5EF4-FFF2-40B4-BE49-F238E27FC236}">
+                <a16:creationId xmlns:a16="http://schemas.microsoft.com/office/drawing/2014/main" id="{613DA1C4-9CD0-4701-943A-0D709597B078}"/>
+              </a:ext>
+            </a:extLst>
+          </p:cNvPr>
+          <p:cNvPicPr>
+            <a:picLocks noChangeAspect="1" noChangeArrowheads="1"/>
+          </p:cNvPicPr>
+          <p:nvPr/>
+        </p:nvPicPr>
+        <p:blipFill>
+          <a:blip r:embed="rId9">
+            <a:extLst>
+              <a:ext uri="{28A0092B-C50C-407E-A947-70E740481C1C}">
+                <a14:useLocalDpi xmlns:a14="http://schemas.microsoft.com/office/drawing/2010/main" val="0"/>
+              </a:ext>
+            </a:extLst>
+          </a:blip>
+          <a:srcRect/>
+          <a:stretch>
+            <a:fillRect/>
+          </a:stretch>
+        </p:blipFill>
+        <p:spPr bwMode="auto">
+          <a:xfrm>
+            <a:off x="378479" y="1723421"/>
+            <a:ext cx="1496615" cy="523815"/>
+          </a:xfrm>
+          <a:prstGeom prst="rect">
+            <a:avLst/>
+          </a:prstGeom>
+          <a:noFill/>
+          <a:extLst>
+            <a:ext uri="{909E8E84-426E-40DD-AFC4-6F175D3DCCD1}">
+              <a14:hiddenFill xmlns:a14="http://schemas.microsoft.com/office/drawing/2010/main">
+                <a:solidFill>
+                  <a:srgbClr val="FFFFFF"/>
+                </a:solidFill>
+              </a14:hiddenFill>
+            </a:ext>
+          </a:extLst>
+        </p:spPr>
+      </p:pic>
+      <p:pic>
+        <p:nvPicPr>
+          <p:cNvPr id="6" name="Picture 4" descr="Amazon.com: Online Shopping for Electronics, Apparel, Computers ...">
+            <a:extLst>
+              <a:ext uri="{FF2B5EF4-FFF2-40B4-BE49-F238E27FC236}">
+                <a16:creationId xmlns:a16="http://schemas.microsoft.com/office/drawing/2014/main" id="{A15730ED-40FF-4308-A92F-881CEBFE426A}"/>
+              </a:ext>
+            </a:extLst>
+          </p:cNvPr>
+          <p:cNvPicPr>
+            <a:picLocks noChangeAspect="1" noChangeArrowheads="1"/>
+          </p:cNvPicPr>
+          <p:nvPr/>
+        </p:nvPicPr>
+        <p:blipFill>
+          <a:blip r:embed="rId10">
+            <a:extLst>
+              <a:ext uri="{28A0092B-C50C-407E-A947-70E740481C1C}">
+                <a14:useLocalDpi xmlns:a14="http://schemas.microsoft.com/office/drawing/2010/main" val="0"/>
+              </a:ext>
+            </a:extLst>
+          </a:blip>
+          <a:srcRect/>
+          <a:stretch>
+            <a:fillRect/>
+          </a:stretch>
+        </p:blipFill>
+        <p:spPr bwMode="auto">
+          <a:xfrm>
+            <a:off x="353662" y="2272278"/>
+            <a:ext cx="1317974" cy="1317974"/>
+          </a:xfrm>
+          <a:prstGeom prst="rect">
+            <a:avLst/>
+          </a:prstGeom>
+          <a:noFill/>
+          <a:extLst>
+            <a:ext uri="{909E8E84-426E-40DD-AFC4-6F175D3DCCD1}">
+              <a14:hiddenFill xmlns:a14="http://schemas.microsoft.com/office/drawing/2010/main">
+                <a:solidFill>
+                  <a:srgbClr val="FFFFFF"/>
+                </a:solidFill>
+              </a14:hiddenFill>
+            </a:ext>
+          </a:extLst>
+        </p:spPr>
+      </p:pic>
+      <p:pic>
+        <p:nvPicPr>
+          <p:cNvPr id="8" name="Picture 6" descr="카카오톡 KakaoTalk - Google Play 앱">
+            <a:extLst>
+              <a:ext uri="{FF2B5EF4-FFF2-40B4-BE49-F238E27FC236}">
+                <a16:creationId xmlns:a16="http://schemas.microsoft.com/office/drawing/2014/main" id="{05BAFD58-F2FA-4B01-9087-935D63B284E6}"/>
+              </a:ext>
+            </a:extLst>
+          </p:cNvPr>
+          <p:cNvPicPr>
+            <a:picLocks noChangeAspect="1" noChangeArrowheads="1"/>
+          </p:cNvPicPr>
+          <p:nvPr/>
+        </p:nvPicPr>
+        <p:blipFill>
+          <a:blip r:embed="rId11">
+            <a:extLst>
+              <a:ext uri="{28A0092B-C50C-407E-A947-70E740481C1C}">
+                <a14:useLocalDpi xmlns:a14="http://schemas.microsoft.com/office/drawing/2010/main" val="0"/>
+              </a:ext>
+            </a:extLst>
+          </a:blip>
+          <a:srcRect/>
+          <a:stretch>
+            <a:fillRect/>
+          </a:stretch>
+        </p:blipFill>
+        <p:spPr bwMode="auto">
+          <a:xfrm>
+            <a:off x="7021245" y="1080116"/>
+            <a:ext cx="723833" cy="723833"/>
+          </a:xfrm>
+          <a:prstGeom prst="rect">
+            <a:avLst/>
+          </a:prstGeom>
+          <a:noFill/>
+          <a:extLst>
+            <a:ext uri="{909E8E84-426E-40DD-AFC4-6F175D3DCCD1}">
+              <a14:hiddenFill xmlns:a14="http://schemas.microsoft.com/office/drawing/2010/main">
+                <a:solidFill>
+                  <a:srgbClr val="FFFFFF"/>
+                </a:solidFill>
+              </a14:hiddenFill>
+            </a:ext>
+          </a:extLst>
+        </p:spPr>
+      </p:pic>
+      <p:pic>
+        <p:nvPicPr>
+          <p:cNvPr id="1032" name="Picture 8" descr="Facebook - 로그인 또는 가입">
+            <a:extLst>
+              <a:ext uri="{FF2B5EF4-FFF2-40B4-BE49-F238E27FC236}">
+                <a16:creationId xmlns:a16="http://schemas.microsoft.com/office/drawing/2014/main" id="{EF6AD5F6-7A4F-4A1B-8C1F-0A3B1DCDFE39}"/>
+              </a:ext>
+            </a:extLst>
+          </p:cNvPr>
+          <p:cNvPicPr>
+            <a:picLocks noChangeAspect="1" noChangeArrowheads="1"/>
+          </p:cNvPicPr>
+          <p:nvPr/>
+        </p:nvPicPr>
+        <p:blipFill>
+          <a:blip r:embed="rId12">
+            <a:extLst>
+              <a:ext uri="{28A0092B-C50C-407E-A947-70E740481C1C}">
+                <a14:useLocalDpi xmlns:a14="http://schemas.microsoft.com/office/drawing/2010/main" val="0"/>
+              </a:ext>
+            </a:extLst>
+          </a:blip>
+          <a:srcRect/>
+          <a:stretch>
+            <a:fillRect/>
+          </a:stretch>
+        </p:blipFill>
+        <p:spPr bwMode="auto">
+          <a:xfrm>
+            <a:off x="7015292" y="1969619"/>
+            <a:ext cx="723833" cy="723833"/>
+          </a:xfrm>
+          <a:prstGeom prst="rect">
+            <a:avLst/>
+          </a:prstGeom>
+          <a:noFill/>
+          <a:extLst>
+            <a:ext uri="{909E8E84-426E-40DD-AFC4-6F175D3DCCD1}">
+              <a14:hiddenFill xmlns:a14="http://schemas.microsoft.com/office/drawing/2010/main">
+                <a:solidFill>
+                  <a:srgbClr val="FFFFFF"/>
+                </a:solidFill>
+              </a14:hiddenFill>
+            </a:ext>
+          </a:extLst>
+        </p:spPr>
+      </p:pic>
+      <p:pic>
+        <p:nvPicPr>
+          <p:cNvPr id="10" name="Picture 10" descr="인스타그램 - 위키백과, 우리 모두의 백과사전">
+            <a:extLst>
+              <a:ext uri="{FF2B5EF4-FFF2-40B4-BE49-F238E27FC236}">
+                <a16:creationId xmlns:a16="http://schemas.microsoft.com/office/drawing/2014/main" id="{E0BBD1D4-52F8-4428-A472-446D91E9621A}"/>
+              </a:ext>
+            </a:extLst>
+          </p:cNvPr>
+          <p:cNvPicPr>
+            <a:picLocks noChangeAspect="1" noChangeArrowheads="1"/>
+          </p:cNvPicPr>
+          <p:nvPr/>
+        </p:nvPicPr>
+        <p:blipFill>
+          <a:blip r:embed="rId13">
+            <a:extLst>
+              <a:ext uri="{28A0092B-C50C-407E-A947-70E740481C1C}">
+                <a14:useLocalDpi xmlns:a14="http://schemas.microsoft.com/office/drawing/2010/main" val="0"/>
+              </a:ext>
+            </a:extLst>
+          </a:blip>
+          <a:srcRect/>
+          <a:stretch>
+            <a:fillRect/>
+          </a:stretch>
+        </p:blipFill>
+        <p:spPr bwMode="auto">
+          <a:xfrm>
+            <a:off x="7015292" y="2727967"/>
+            <a:ext cx="723833" cy="723833"/>
+          </a:xfrm>
+          <a:prstGeom prst="rect">
+            <a:avLst/>
+          </a:prstGeom>
+          <a:noFill/>
+          <a:extLst>
+            <a:ext uri="{909E8E84-426E-40DD-AFC4-6F175D3DCCD1}">
+              <a14:hiddenFill xmlns:a14="http://schemas.microsoft.com/office/drawing/2010/main">
+                <a:solidFill>
+                  <a:srgbClr val="FFFFFF"/>
+                </a:solidFill>
+              </a14:hiddenFill>
+            </a:ext>
+          </a:extLst>
+        </p:spPr>
+      </p:pic>
+      <p:pic>
+        <p:nvPicPr>
+          <p:cNvPr id="11" name="Picture 12" descr="LOL' 이후 준비 중인 라이엇게임즈의 대형 신작, 격투 게임이었다 - 게임뷰">
+            <a:extLst>
+              <a:ext uri="{FF2B5EF4-FFF2-40B4-BE49-F238E27FC236}">
+                <a16:creationId xmlns:a16="http://schemas.microsoft.com/office/drawing/2014/main" id="{C215392E-DD5B-4BC0-86B7-C96AB99A1F63}"/>
+              </a:ext>
+            </a:extLst>
+          </p:cNvPr>
+          <p:cNvPicPr>
+            <a:picLocks noChangeAspect="1" noChangeArrowheads="1"/>
+          </p:cNvPicPr>
+          <p:nvPr/>
+        </p:nvPicPr>
+        <p:blipFill>
+          <a:blip r:embed="rId14">
+            <a:extLst>
+              <a:ext uri="{28A0092B-C50C-407E-A947-70E740481C1C}">
+                <a14:useLocalDpi xmlns:a14="http://schemas.microsoft.com/office/drawing/2010/main" val="0"/>
+              </a:ext>
+            </a:extLst>
+          </a:blip>
+          <a:srcRect/>
+          <a:stretch>
+            <a:fillRect/>
+          </a:stretch>
+        </p:blipFill>
+        <p:spPr bwMode="auto">
+          <a:xfrm>
+            <a:off x="10584485" y="1324968"/>
+            <a:ext cx="1607515" cy="900209"/>
+          </a:xfrm>
+          <a:prstGeom prst="rect">
+            <a:avLst/>
+          </a:prstGeom>
+          <a:noFill/>
+          <a:extLst>
+            <a:ext uri="{909E8E84-426E-40DD-AFC4-6F175D3DCCD1}">
+              <a14:hiddenFill xmlns:a14="http://schemas.microsoft.com/office/drawing/2010/main">
+                <a:solidFill>
+                  <a:srgbClr val="FFFFFF"/>
+                </a:solidFill>
+              </a14:hiddenFill>
+            </a:ext>
+          </a:extLst>
+        </p:spPr>
+      </p:pic>
+      <p:pic>
+        <p:nvPicPr>
+          <p:cNvPr id="1042" name="Picture 18" descr="스포츠조선 :: 2018년 블리자드의 'NEXT' 게임은 무엇일까?">
+            <a:extLst>
+              <a:ext uri="{FF2B5EF4-FFF2-40B4-BE49-F238E27FC236}">
+                <a16:creationId xmlns:a16="http://schemas.microsoft.com/office/drawing/2014/main" id="{A0145722-94E8-44B7-9F24-7001CDF170BE}"/>
+              </a:ext>
+            </a:extLst>
+          </p:cNvPr>
+          <p:cNvPicPr>
+            <a:picLocks noChangeAspect="1" noChangeArrowheads="1"/>
+          </p:cNvPicPr>
+          <p:nvPr/>
+        </p:nvPicPr>
+        <p:blipFill>
+          <a:blip r:embed="rId15">
+            <a:extLst>
+              <a:ext uri="{28A0092B-C50C-407E-A947-70E740481C1C}">
+                <a14:useLocalDpi xmlns:a14="http://schemas.microsoft.com/office/drawing/2010/main" val="0"/>
+              </a:ext>
+            </a:extLst>
+          </a:blip>
+          <a:srcRect/>
+          <a:stretch>
+            <a:fillRect/>
+          </a:stretch>
+        </p:blipFill>
+        <p:spPr bwMode="auto">
+          <a:xfrm>
+            <a:off x="10584485" y="2169474"/>
+            <a:ext cx="1607515" cy="928786"/>
+          </a:xfrm>
+          <a:prstGeom prst="rect">
+            <a:avLst/>
+          </a:prstGeom>
+          <a:noFill/>
+          <a:extLst>
+            <a:ext uri="{909E8E84-426E-40DD-AFC4-6F175D3DCCD1}">
+              <a14:hiddenFill xmlns:a14="http://schemas.microsoft.com/office/drawing/2010/main">
+                <a:solidFill>
+                  <a:srgbClr val="FFFFFF"/>
+                </a:solidFill>
+              </a14:hiddenFill>
+            </a:ext>
+          </a:extLst>
+        </p:spPr>
+      </p:pic>
+      <p:pic>
+        <p:nvPicPr>
+          <p:cNvPr id="1044" name="Picture 20" descr="Free Online Courses from Microsoft">
+            <a:extLst>
+              <a:ext uri="{FF2B5EF4-FFF2-40B4-BE49-F238E27FC236}">
+                <a16:creationId xmlns:a16="http://schemas.microsoft.com/office/drawing/2014/main" id="{3BEC8F1D-C4A6-479A-8419-5FE5ED948E79}"/>
+              </a:ext>
+            </a:extLst>
+          </p:cNvPr>
+          <p:cNvPicPr>
+            <a:picLocks noChangeAspect="1" noChangeArrowheads="1"/>
+          </p:cNvPicPr>
+          <p:nvPr/>
+        </p:nvPicPr>
+        <p:blipFill>
+          <a:blip r:embed="rId16">
+            <a:extLst>
+              <a:ext uri="{28A0092B-C50C-407E-A947-70E740481C1C}">
+                <a14:useLocalDpi xmlns:a14="http://schemas.microsoft.com/office/drawing/2010/main" val="0"/>
+              </a:ext>
+            </a:extLst>
+          </a:blip>
+          <a:srcRect/>
+          <a:stretch>
+            <a:fillRect/>
+          </a:stretch>
+        </p:blipFill>
+        <p:spPr bwMode="auto">
+          <a:xfrm>
+            <a:off x="7218924" y="3880685"/>
+            <a:ext cx="1238080" cy="696420"/>
+          </a:xfrm>
+          <a:prstGeom prst="rect">
+            <a:avLst/>
+          </a:prstGeom>
+          <a:noFill/>
+          <a:extLst>
+            <a:ext uri="{909E8E84-426E-40DD-AFC4-6F175D3DCCD1}">
+              <a14:hiddenFill xmlns:a14="http://schemas.microsoft.com/office/drawing/2010/main">
+                <a:solidFill>
+                  <a:srgbClr val="FFFFFF"/>
+                </a:solidFill>
+              </a14:hiddenFill>
+            </a:ext>
+          </a:extLst>
+        </p:spPr>
+      </p:pic>
+      <p:pic>
+        <p:nvPicPr>
+          <p:cNvPr id="1046" name="Picture 22" descr="삼성 갤럭시 프로 - 위키백과, 우리 모두의 백과사전">
+            <a:extLst>
+              <a:ext uri="{FF2B5EF4-FFF2-40B4-BE49-F238E27FC236}">
+                <a16:creationId xmlns:a16="http://schemas.microsoft.com/office/drawing/2014/main" id="{610BF53D-C130-4147-902C-6C51EDC414E8}"/>
+              </a:ext>
+            </a:extLst>
+          </p:cNvPr>
+          <p:cNvPicPr>
+            <a:picLocks noChangeAspect="1" noChangeArrowheads="1"/>
+          </p:cNvPicPr>
+          <p:nvPr/>
+        </p:nvPicPr>
+        <p:blipFill>
+          <a:blip r:embed="rId17">
+            <a:extLst>
+              <a:ext uri="{28A0092B-C50C-407E-A947-70E740481C1C}">
+                <a14:useLocalDpi xmlns:a14="http://schemas.microsoft.com/office/drawing/2010/main" val="0"/>
+              </a:ext>
+            </a:extLst>
+          </a:blip>
+          <a:srcRect/>
+          <a:stretch>
+            <a:fillRect/>
+          </a:stretch>
+        </p:blipFill>
+        <p:spPr bwMode="auto">
+          <a:xfrm>
+            <a:off x="10673296" y="3979314"/>
+            <a:ext cx="1447396" cy="478754"/>
+          </a:xfrm>
+          <a:prstGeom prst="rect">
+            <a:avLst/>
+          </a:prstGeom>
+          <a:noFill/>
+          <a:extLst>
+            <a:ext uri="{909E8E84-426E-40DD-AFC4-6F175D3DCCD1}">
+              <a14:hiddenFill xmlns:a14="http://schemas.microsoft.com/office/drawing/2010/main">
+                <a:solidFill>
+                  <a:srgbClr val="FFFFFF"/>
+                </a:solidFill>
+              </a14:hiddenFill>
+            </a:ext>
+          </a:extLst>
+        </p:spPr>
+      </p:pic>
+      <p:pic>
+        <p:nvPicPr>
+          <p:cNvPr id="1048" name="Picture 24" descr="Apple (대한민국)">
+            <a:extLst>
+              <a:ext uri="{FF2B5EF4-FFF2-40B4-BE49-F238E27FC236}">
+                <a16:creationId xmlns:a16="http://schemas.microsoft.com/office/drawing/2014/main" id="{700A8A5F-A025-48F7-863D-62D19ECA3771}"/>
+              </a:ext>
+            </a:extLst>
+          </p:cNvPr>
+          <p:cNvPicPr>
+            <a:picLocks noChangeAspect="1" noChangeArrowheads="1"/>
+          </p:cNvPicPr>
+          <p:nvPr/>
+        </p:nvPicPr>
+        <p:blipFill>
+          <a:blip r:embed="rId18">
+            <a:extLst>
+              <a:ext uri="{28A0092B-C50C-407E-A947-70E740481C1C}">
+                <a14:useLocalDpi xmlns:a14="http://schemas.microsoft.com/office/drawing/2010/main" val="0"/>
+              </a:ext>
+            </a:extLst>
+          </a:blip>
+          <a:srcRect/>
+          <a:stretch>
+            <a:fillRect/>
+          </a:stretch>
+        </p:blipFill>
+        <p:spPr bwMode="auto">
+          <a:xfrm>
+            <a:off x="10903699" y="4649713"/>
+            <a:ext cx="986590" cy="986590"/>
+          </a:xfrm>
+          <a:prstGeom prst="rect">
+            <a:avLst/>
+          </a:prstGeom>
+          <a:noFill/>
+          <a:extLst>
+            <a:ext uri="{909E8E84-426E-40DD-AFC4-6F175D3DCCD1}">
+              <a14:hiddenFill xmlns:a14="http://schemas.microsoft.com/office/drawing/2010/main">
+                <a:solidFill>
+                  <a:srgbClr val="FFFFFF"/>
+                </a:solidFill>
+              </a14:hiddenFill>
+            </a:ext>
+          </a:extLst>
+        </p:spPr>
+      </p:pic>
     </p:spTree>
     <p:extLst>
       <p:ext uri="{BB962C8B-B14F-4D97-AF65-F5344CB8AC3E}">
-        <p14:creationId xmlns:p14="http://schemas.microsoft.com/office/powerpoint/2010/main" val="768701103"/>
+        <p14:creationId xmlns:p14="http://schemas.microsoft.com/office/powerpoint/2010/main" val="872939456"/>
       </p:ext>
     </p:extLst>
   </p:cSld>
   <p:clrMapOvr>
     <a:masterClrMapping/>
   </p:clrMapOvr>
+  <p:timing>
+    <p:tnLst>
+      <p:par>
+        <p:cTn id="1" dur="indefinite" restart="never" nodeType="tmRoot">
+          <p:childTnLst>
+            <p:seq concurrent="1" nextAc="seek">
+              <p:cTn id="2" dur="indefinite" nodeType="mainSeq">
+                <p:childTnLst>
+                  <p:par>
+                    <p:cTn id="3" fill="hold">
+                      <p:stCondLst>
+                        <p:cond delay="indefinite"/>
+                      </p:stCondLst>
+                      <p:childTnLst>
+                        <p:par>
+                          <p:cTn id="4" fill="hold">
+                            <p:stCondLst>
+                              <p:cond delay="0"/>
+                            </p:stCondLst>
+                            <p:childTnLst>
+                              <p:par>
+                                <p:cTn id="5" presetID="1" presetClass="entr" presetSubtype="0" fill="hold" nodeType="clickEffect">
+                                  <p:stCondLst>
+                                    <p:cond delay="0"/>
+                                  </p:stCondLst>
+                                  <p:childTnLst>
+                                    <p:set>
+                                      <p:cBhvr>
+                                        <p:cTn id="6" dur="1" fill="hold">
+                                          <p:stCondLst>
+                                            <p:cond delay="0"/>
+                                          </p:stCondLst>
+                                        </p:cTn>
+                                        <p:tgtEl>
+                                          <p:spTgt spid="3"/>
+                                        </p:tgtEl>
+                                        <p:attrNameLst>
+                                          <p:attrName>style.visibility</p:attrName>
+                                        </p:attrNameLst>
+                                      </p:cBhvr>
+                                      <p:to>
+                                        <p:strVal val="visible"/>
+                                      </p:to>
+                                    </p:set>
+                                  </p:childTnLst>
+                                </p:cTn>
+                              </p:par>
+                            </p:childTnLst>
+                          </p:cTn>
+                        </p:par>
+                      </p:childTnLst>
+                    </p:cTn>
+                  </p:par>
+                  <p:par>
+                    <p:cTn id="7" fill="hold">
+                      <p:stCondLst>
+                        <p:cond delay="indefinite"/>
+                      </p:stCondLst>
+                      <p:childTnLst>
+                        <p:par>
+                          <p:cTn id="8" fill="hold">
+                            <p:stCondLst>
+                              <p:cond delay="0"/>
+                            </p:stCondLst>
+                            <p:childTnLst>
+                              <p:par>
+                                <p:cTn id="9" presetID="1" presetClass="entr" presetSubtype="0" fill="hold" nodeType="clickEffect">
+                                  <p:stCondLst>
+                                    <p:cond delay="0"/>
+                                  </p:stCondLst>
+                                  <p:childTnLst>
+                                    <p:set>
+                                      <p:cBhvr>
+                                        <p:cTn id="10" dur="1" fill="hold">
+                                          <p:stCondLst>
+                                            <p:cond delay="0"/>
+                                          </p:stCondLst>
+                                        </p:cTn>
+                                        <p:tgtEl>
+                                          <p:spTgt spid="6"/>
+                                        </p:tgtEl>
+                                        <p:attrNameLst>
+                                          <p:attrName>style.visibility</p:attrName>
+                                        </p:attrNameLst>
+                                      </p:cBhvr>
+                                      <p:to>
+                                        <p:strVal val="visible"/>
+                                      </p:to>
+                                    </p:set>
+                                  </p:childTnLst>
+                                </p:cTn>
+                              </p:par>
+                            </p:childTnLst>
+                          </p:cTn>
+                        </p:par>
+                      </p:childTnLst>
+                    </p:cTn>
+                  </p:par>
+                  <p:par>
+                    <p:cTn id="11" fill="hold">
+                      <p:stCondLst>
+                        <p:cond delay="indefinite"/>
+                      </p:stCondLst>
+                      <p:childTnLst>
+                        <p:par>
+                          <p:cTn id="12" fill="hold">
+                            <p:stCondLst>
+                              <p:cond delay="0"/>
+                            </p:stCondLst>
+                            <p:childTnLst>
+                              <p:par>
+                                <p:cTn id="13" presetID="1" presetClass="entr" presetSubtype="0" fill="hold" nodeType="clickEffect">
+                                  <p:stCondLst>
+                                    <p:cond delay="0"/>
+                                  </p:stCondLst>
+                                  <p:childTnLst>
+                                    <p:set>
+                                      <p:cBhvr>
+                                        <p:cTn id="14" dur="1" fill="hold">
+                                          <p:stCondLst>
+                                            <p:cond delay="0"/>
+                                          </p:stCondLst>
+                                        </p:cTn>
+                                        <p:tgtEl>
+                                          <p:spTgt spid="8"/>
+                                        </p:tgtEl>
+                                        <p:attrNameLst>
+                                          <p:attrName>style.visibility</p:attrName>
+                                        </p:attrNameLst>
+                                      </p:cBhvr>
+                                      <p:to>
+                                        <p:strVal val="visible"/>
+                                      </p:to>
+                                    </p:set>
+                                  </p:childTnLst>
+                                </p:cTn>
+                              </p:par>
+                            </p:childTnLst>
+                          </p:cTn>
+                        </p:par>
+                      </p:childTnLst>
+                    </p:cTn>
+                  </p:par>
+                  <p:par>
+                    <p:cTn id="15" fill="hold">
+                      <p:stCondLst>
+                        <p:cond delay="indefinite"/>
+                      </p:stCondLst>
+                      <p:childTnLst>
+                        <p:par>
+                          <p:cTn id="16" fill="hold">
+                            <p:stCondLst>
+                              <p:cond delay="0"/>
+                            </p:stCondLst>
+                            <p:childTnLst>
+                              <p:par>
+                                <p:cTn id="17" presetID="1" presetClass="entr" presetSubtype="0" fill="hold" nodeType="clickEffect">
+                                  <p:stCondLst>
+                                    <p:cond delay="0"/>
+                                  </p:stCondLst>
+                                  <p:childTnLst>
+                                    <p:set>
+                                      <p:cBhvr>
+                                        <p:cTn id="18" dur="1" fill="hold">
+                                          <p:stCondLst>
+                                            <p:cond delay="0"/>
+                                          </p:stCondLst>
+                                        </p:cTn>
+                                        <p:tgtEl>
+                                          <p:spTgt spid="10"/>
+                                        </p:tgtEl>
+                                        <p:attrNameLst>
+                                          <p:attrName>style.visibility</p:attrName>
+                                        </p:attrNameLst>
+                                      </p:cBhvr>
+                                      <p:to>
+                                        <p:strVal val="visible"/>
+                                      </p:to>
+                                    </p:set>
+                                  </p:childTnLst>
+                                </p:cTn>
+                              </p:par>
+                              <p:par>
+                                <p:cTn id="19" presetID="1" presetClass="entr" presetSubtype="0" fill="hold" nodeType="withEffect">
+                                  <p:stCondLst>
+                                    <p:cond delay="0"/>
+                                  </p:stCondLst>
+                                  <p:childTnLst>
+                                    <p:set>
+                                      <p:cBhvr>
+                                        <p:cTn id="20" dur="1" fill="hold">
+                                          <p:stCondLst>
+                                            <p:cond delay="0"/>
+                                          </p:stCondLst>
+                                        </p:cTn>
+                                        <p:tgtEl>
+                                          <p:spTgt spid="1032"/>
+                                        </p:tgtEl>
+                                        <p:attrNameLst>
+                                          <p:attrName>style.visibility</p:attrName>
+                                        </p:attrNameLst>
+                                      </p:cBhvr>
+                                      <p:to>
+                                        <p:strVal val="visible"/>
+                                      </p:to>
+                                    </p:set>
+                                  </p:childTnLst>
+                                </p:cTn>
+                              </p:par>
+                            </p:childTnLst>
+                          </p:cTn>
+                        </p:par>
+                      </p:childTnLst>
+                    </p:cTn>
+                  </p:par>
+                  <p:par>
+                    <p:cTn id="21" fill="hold">
+                      <p:stCondLst>
+                        <p:cond delay="indefinite"/>
+                      </p:stCondLst>
+                      <p:childTnLst>
+                        <p:par>
+                          <p:cTn id="22" fill="hold">
+                            <p:stCondLst>
+                              <p:cond delay="0"/>
+                            </p:stCondLst>
+                            <p:childTnLst>
+                              <p:par>
+                                <p:cTn id="23" presetID="1" presetClass="entr" presetSubtype="0" fill="hold" nodeType="clickEffect">
+                                  <p:stCondLst>
+                                    <p:cond delay="0"/>
+                                  </p:stCondLst>
+                                  <p:childTnLst>
+                                    <p:set>
+                                      <p:cBhvr>
+                                        <p:cTn id="24" dur="1" fill="hold">
+                                          <p:stCondLst>
+                                            <p:cond delay="0"/>
+                                          </p:stCondLst>
+                                        </p:cTn>
+                                        <p:tgtEl>
+                                          <p:spTgt spid="11"/>
+                                        </p:tgtEl>
+                                        <p:attrNameLst>
+                                          <p:attrName>style.visibility</p:attrName>
+                                        </p:attrNameLst>
+                                      </p:cBhvr>
+                                      <p:to>
+                                        <p:strVal val="visible"/>
+                                      </p:to>
+                                    </p:set>
+                                  </p:childTnLst>
+                                </p:cTn>
+                              </p:par>
+                            </p:childTnLst>
+                          </p:cTn>
+                        </p:par>
+                      </p:childTnLst>
+                    </p:cTn>
+                  </p:par>
+                  <p:par>
+                    <p:cTn id="25" fill="hold">
+                      <p:stCondLst>
+                        <p:cond delay="indefinite"/>
+                      </p:stCondLst>
+                      <p:childTnLst>
+                        <p:par>
+                          <p:cTn id="26" fill="hold">
+                            <p:stCondLst>
+                              <p:cond delay="0"/>
+                            </p:stCondLst>
+                            <p:childTnLst>
+                              <p:par>
+                                <p:cTn id="27" presetID="1" presetClass="entr" presetSubtype="0" fill="hold" nodeType="clickEffect">
+                                  <p:stCondLst>
+                                    <p:cond delay="0"/>
+                                  </p:stCondLst>
+                                  <p:childTnLst>
+                                    <p:set>
+                                      <p:cBhvr>
+                                        <p:cTn id="28" dur="1" fill="hold">
+                                          <p:stCondLst>
+                                            <p:cond delay="0"/>
+                                          </p:stCondLst>
+                                        </p:cTn>
+                                        <p:tgtEl>
+                                          <p:spTgt spid="1042"/>
+                                        </p:tgtEl>
+                                        <p:attrNameLst>
+                                          <p:attrName>style.visibility</p:attrName>
+                                        </p:attrNameLst>
+                                      </p:cBhvr>
+                                      <p:to>
+                                        <p:strVal val="visible"/>
+                                      </p:to>
+                                    </p:set>
+                                  </p:childTnLst>
+                                </p:cTn>
+                              </p:par>
+                            </p:childTnLst>
+                          </p:cTn>
+                        </p:par>
+                      </p:childTnLst>
+                    </p:cTn>
+                  </p:par>
+                  <p:par>
+                    <p:cTn id="29" fill="hold">
+                      <p:stCondLst>
+                        <p:cond delay="indefinite"/>
+                      </p:stCondLst>
+                      <p:childTnLst>
+                        <p:par>
+                          <p:cTn id="30" fill="hold">
+                            <p:stCondLst>
+                              <p:cond delay="0"/>
+                            </p:stCondLst>
+                            <p:childTnLst>
+                              <p:par>
+                                <p:cTn id="31" presetID="1" presetClass="entr" presetSubtype="0" fill="hold" nodeType="clickEffect">
+                                  <p:stCondLst>
+                                    <p:cond delay="0"/>
+                                  </p:stCondLst>
+                                  <p:childTnLst>
+                                    <p:set>
+                                      <p:cBhvr>
+                                        <p:cTn id="32" dur="1" fill="hold">
+                                          <p:stCondLst>
+                                            <p:cond delay="0"/>
+                                          </p:stCondLst>
+                                        </p:cTn>
+                                        <p:tgtEl>
+                                          <p:spTgt spid="1044"/>
+                                        </p:tgtEl>
+                                        <p:attrNameLst>
+                                          <p:attrName>style.visibility</p:attrName>
+                                        </p:attrNameLst>
+                                      </p:cBhvr>
+                                      <p:to>
+                                        <p:strVal val="visible"/>
+                                      </p:to>
+                                    </p:set>
+                                  </p:childTnLst>
+                                </p:cTn>
+                              </p:par>
+                            </p:childTnLst>
+                          </p:cTn>
+                        </p:par>
+                      </p:childTnLst>
+                    </p:cTn>
+                  </p:par>
+                  <p:par>
+                    <p:cTn id="33" fill="hold">
+                      <p:stCondLst>
+                        <p:cond delay="indefinite"/>
+                      </p:stCondLst>
+                      <p:childTnLst>
+                        <p:par>
+                          <p:cTn id="34" fill="hold">
+                            <p:stCondLst>
+                              <p:cond delay="0"/>
+                            </p:stCondLst>
+                            <p:childTnLst>
+                              <p:par>
+                                <p:cTn id="35" presetID="1" presetClass="entr" presetSubtype="0" fill="hold" nodeType="clickEffect">
+                                  <p:stCondLst>
+                                    <p:cond delay="0"/>
+                                  </p:stCondLst>
+                                  <p:childTnLst>
+                                    <p:set>
+                                      <p:cBhvr>
+                                        <p:cTn id="36" dur="1" fill="hold">
+                                          <p:stCondLst>
+                                            <p:cond delay="0"/>
+                                          </p:stCondLst>
+                                        </p:cTn>
+                                        <p:tgtEl>
+                                          <p:spTgt spid="1046"/>
+                                        </p:tgtEl>
+                                        <p:attrNameLst>
+                                          <p:attrName>style.visibility</p:attrName>
+                                        </p:attrNameLst>
+                                      </p:cBhvr>
+                                      <p:to>
+                                        <p:strVal val="visible"/>
+                                      </p:to>
+                                    </p:set>
+                                  </p:childTnLst>
+                                </p:cTn>
+                              </p:par>
+                            </p:childTnLst>
+                          </p:cTn>
+                        </p:par>
+                      </p:childTnLst>
+                    </p:cTn>
+                  </p:par>
+                  <p:par>
+                    <p:cTn id="37" fill="hold">
+                      <p:stCondLst>
+                        <p:cond delay="indefinite"/>
+                      </p:stCondLst>
+                      <p:childTnLst>
+                        <p:par>
+                          <p:cTn id="38" fill="hold">
+                            <p:stCondLst>
+                              <p:cond delay="0"/>
+                            </p:stCondLst>
+                            <p:childTnLst>
+                              <p:par>
+                                <p:cTn id="39" presetID="1" presetClass="entr" presetSubtype="0" fill="hold" nodeType="clickEffect">
+                                  <p:stCondLst>
+                                    <p:cond delay="0"/>
+                                  </p:stCondLst>
+                                  <p:childTnLst>
+                                    <p:set>
+                                      <p:cBhvr>
+                                        <p:cTn id="40" dur="1" fill="hold">
+                                          <p:stCondLst>
+                                            <p:cond delay="0"/>
+                                          </p:stCondLst>
+                                        </p:cTn>
+                                        <p:tgtEl>
+                                          <p:spTgt spid="1048"/>
+                                        </p:tgtEl>
+                                        <p:attrNameLst>
+                                          <p:attrName>style.visibility</p:attrName>
+                                        </p:attrNameLst>
+                                      </p:cBhvr>
+                                      <p:to>
+                                        <p:strVal val="visible"/>
+                                      </p:to>
+                                    </p:set>
+                                  </p:childTnLst>
+                                </p:cTn>
+                              </p:par>
+                            </p:childTnLst>
+                          </p:cTn>
+                        </p:par>
+                      </p:childTnLst>
+                    </p:cTn>
+                  </p:par>
+                </p:childTnLst>
+              </p:cTn>
+              <p:prevCondLst>
+                <p:cond evt="onPrev" delay="0">
+                  <p:tgtEl>
+                    <p:sldTgt/>
+                  </p:tgtEl>
+                </p:cond>
+              </p:prevCondLst>
+              <p:nextCondLst>
+                <p:cond evt="onNext" delay="0">
+                  <p:tgtEl>
+                    <p:sldTgt/>
+                  </p:tgtEl>
+                </p:cond>
+              </p:nextCondLst>
+            </p:seq>
+          </p:childTnLst>
+        </p:cTn>
+      </p:par>
+    </p:tnLst>
+  </p:timing>
 </p:sld>
 </file>
 
@@ -13985,7 +15305,7 @@
                                           </p:stCondLst>
                                         </p:cTn>
                                         <p:tgtEl>
-                                          <p:spTgt spid="3"/>
+                                          <p:spTgt spid="8"/>
                                         </p:tgtEl>
                                         <p:attrNameLst>
                                           <p:attrName>style.visibility</p:attrName>
@@ -14030,7 +15350,7 @@
                                           </p:stCondLst>
                                         </p:cTn>
                                         <p:tgtEl>
-                                          <p:spTgt spid="8"/>
+                                          <p:spTgt spid="3"/>
                                         </p:tgtEl>
                                         <p:attrNameLst>
                                           <p:attrName>style.visibility</p:attrName>
@@ -14088,15 +15408,78 @@
                                   </p:childTnLst>
                                 </p:cTn>
                               </p:par>
+                            </p:childTnLst>
+                          </p:cTn>
+                        </p:par>
+                      </p:childTnLst>
+                    </p:cTn>
+                  </p:par>
+                  <p:par>
+                    <p:cTn id="15" fill="hold">
+                      <p:stCondLst>
+                        <p:cond delay="indefinite"/>
+                      </p:stCondLst>
+                      <p:childTnLst>
+                        <p:par>
+                          <p:cTn id="16" fill="hold">
+                            <p:stCondLst>
+                              <p:cond delay="0"/>
+                            </p:stCondLst>
+                            <p:childTnLst>
                               <p:par>
-                                <p:cTn id="15" presetID="1" presetClass="entr" presetSubtype="0" fill="hold" nodeType="withEffect">
+                                <p:cTn id="17" presetID="1" presetClass="entr" presetSubtype="0" fill="hold" nodeType="clickEffect">
                                   <p:stCondLst>
                                     <p:cond delay="0"/>
                                   </p:stCondLst>
                                   <p:childTnLst>
                                     <p:set>
                                       <p:cBhvr>
-                                        <p:cTn id="16" dur="1" fill="hold">
+                                        <p:cTn id="18" dur="1" fill="hold">
+                                          <p:stCondLst>
+                                            <p:cond delay="0"/>
+                                          </p:stCondLst>
+                                        </p:cTn>
+                                        <p:tgtEl>
+                                          <p:spTgt spid="3084"/>
+                                        </p:tgtEl>
+                                        <p:attrNameLst>
+                                          <p:attrName>style.visibility</p:attrName>
+                                        </p:attrNameLst>
+                                      </p:cBhvr>
+                                      <p:to>
+                                        <p:strVal val="visible"/>
+                                      </p:to>
+                                    </p:set>
+                                  </p:childTnLst>
+                                </p:cTn>
+                              </p:par>
+                            </p:childTnLst>
+                          </p:cTn>
+                        </p:par>
+                      </p:childTnLst>
+                    </p:cTn>
+                  </p:par>
+                  <p:par>
+                    <p:cTn id="19" fill="hold">
+                      <p:stCondLst>
+                        <p:cond delay="indefinite"/>
+                      </p:stCondLst>
+                      <p:childTnLst>
+                        <p:par>
+                          <p:cTn id="20" fill="hold">
+                            <p:stCondLst>
+                              <p:cond delay="0"/>
+                            </p:stCondLst>
+                            <p:childTnLst>
+                              <p:par>
+                                <p:cTn id="21" presetID="1" presetClass="entr" presetSubtype="0" fill="hold" nodeType="clickEffect">
+                                  <p:stCondLst>
+                                    <p:cond delay="0"/>
+                                  </p:stCondLst>
+                                  <p:childTnLst>
+                                    <p:set>
+                                      <p:cBhvr>
+                                        <p:cTn id="22" dur="1" fill="hold">
                                           <p:stCondLst>
                                             <p:cond delay="0"/>
                                           </p:stCondLst>
@@ -14115,48 +15498,39 @@
                                   </p:childTnLst>
                                 </p:cTn>
                               </p:par>
+                            </p:childTnLst>
+                          </p:cTn>
+                        </p:par>
+                      </p:childTnLst>
+                    </p:cTn>
+                  </p:par>
+                  <p:par>
+                    <p:cTn id="23" fill="hold">
+                      <p:stCondLst>
+                        <p:cond delay="indefinite"/>
+                      </p:stCondLst>
+                      <p:childTnLst>
+                        <p:par>
+                          <p:cTn id="24" fill="hold">
+                            <p:stCondLst>
+                              <p:cond delay="0"/>
+                            </p:stCondLst>
+                            <p:childTnLst>
                               <p:par>
-                                <p:cTn id="17" presetID="1" presetClass="entr" presetSubtype="0" fill="hold" nodeType="withEffect">
+                                <p:cTn id="25" presetID="1" presetClass="entr" presetSubtype="0" fill="hold" nodeType="clickEffect">
                                   <p:stCondLst>
                                     <p:cond delay="0"/>
                                   </p:stCondLst>
                                   <p:childTnLst>
                                     <p:set>
                                       <p:cBhvr>
-                                        <p:cTn id="18" dur="1" fill="hold">
+                                        <p:cTn id="26" dur="1" fill="hold">
                                           <p:stCondLst>
                                             <p:cond delay="0"/>
                                           </p:stCondLst>
                                         </p:cTn>
                                         <p:tgtEl>
                                           <p:spTgt spid="3088"/>
-                                        </p:tgtEl>
-                                        <p:attrNameLst>
-                                          <p:attrName>style.visibility</p:attrName>
-                                        </p:attrNameLst>
-                                      </p:cBhvr>
-                                      <p:to>
-                                        <p:strVal val="visible"/>
-                                      </p:to>
-                                    </p:set>
-                                  </p:childTnLst>
-                                </p:cTn>
-                              </p:par>
-                              <p:par>
-                                <p:cTn id="19" presetID="1" presetClass="entr" presetSubtype="0" fill="hold" nodeType="withEffect">
-                                  <p:stCondLst>
-                                    <p:cond delay="0"/>
-                                  </p:stCondLst>
-                                  <p:childTnLst>
-                                    <p:set>
-                                      <p:cBhvr>
-                                        <p:cTn id="20" dur="1" fill="hold">
-                                          <p:stCondLst>
-                                            <p:cond delay="0"/>
-                                          </p:stCondLst>
-                                        </p:cTn>
-                                        <p:tgtEl>
-                                          <p:spTgt spid="3084"/>
                                         </p:tgtEl>
                                         <p:attrNameLst>
                                           <p:attrName>style.visibility</p:attrName>
@@ -14339,7 +15713,7 @@
         <p:spPr>
           <a:xfrm>
             <a:off x="862011" y="2091713"/>
-            <a:ext cx="10467975" cy="4401205"/>
+            <a:ext cx="10467975" cy="5262979"/>
           </a:xfrm>
           <a:prstGeom prst="rect">
             <a:avLst/>
@@ -14364,6 +15738,38 @@
                 <a:ea typeface="+mn-ea"/>
               </a:rPr>
               <a:t>교육용</a:t>
+            </a:r>
+            <a:endParaRPr lang="en-US" altLang="ko-KR" sz="2800" b="1" dirty="0">
+              <a:latin typeface="+mn-ea"/>
+              <a:ea typeface="+mn-ea"/>
+            </a:endParaRPr>
+          </a:p>
+          <a:p>
+            <a:pPr indent="-562722" algn="l" fontAlgn="auto">
+              <a:spcAft>
+                <a:spcPts val="0"/>
+              </a:spcAft>
+              <a:buFont typeface="Arial" panose="020B0604020202020204" pitchFamily="34" charset="0"/>
+              <a:buChar char="•"/>
+            </a:pPr>
+            <a:endParaRPr lang="en-US" altLang="ko-KR" sz="2800" b="1" dirty="0">
+              <a:latin typeface="+mn-ea"/>
+            </a:endParaRPr>
+          </a:p>
+          <a:p>
+            <a:pPr indent="-562722" algn="l" fontAlgn="auto">
+              <a:spcAft>
+                <a:spcPts val="0"/>
+              </a:spcAft>
+              <a:buFont typeface="Arial" panose="020B0604020202020204" pitchFamily="34" charset="0"/>
+              <a:buChar char="•"/>
+            </a:pPr>
+            <a:r>
+              <a:rPr lang="ko-KR" altLang="en-US" sz="2800" b="1" dirty="0">
+                <a:latin typeface="+mn-ea"/>
+                <a:ea typeface="+mn-ea"/>
+              </a:rPr>
+              <a:t>배우기 매우 쉽다</a:t>
             </a:r>
             <a:endParaRPr lang="en-US" altLang="ko-KR" sz="2800" b="1" dirty="0">
               <a:latin typeface="+mn-ea"/>
@@ -14528,8 +15934,8 @@
         </p:blipFill>
         <p:spPr bwMode="auto">
           <a:xfrm>
-            <a:off x="5486400" y="2016382"/>
-            <a:ext cx="6431370" cy="2581736"/>
+            <a:off x="4522562" y="1519386"/>
+            <a:ext cx="7669438" cy="3078732"/>
           </a:xfrm>
           <a:prstGeom prst="rect">
             <a:avLst/>
